--- a/spring13/slides13/deviation-markov.pptx
+++ b/spring13/slides13/deviation-markov.pptx
@@ -2831,22 +2831,16 @@
               <a:defRPr/>
             </a:pPr>
             <a:r>
-              <a:rPr lang="en-US" sz="1200" i="0" dirty="0" err="1">
+              <a:rPr lang="en-US" sz="1200" i="0" dirty="0" err="1" smtClean="0">
                 <a:latin typeface="Comic Sans MS" pitchFamily="66" charset="0"/>
               </a:rPr>
-              <a:t>lec</a:t>
-            </a:r>
-            <a:r>
-              <a:rPr lang="en-US" sz="1200" i="0" dirty="0">
-                <a:latin typeface="Comic Sans MS" pitchFamily="66" charset="0"/>
-              </a:rPr>
-              <a:t> </a:t>
+              <a:t>markov</a:t>
             </a:r>
             <a:r>
               <a:rPr lang="en-US" sz="1200" i="0" dirty="0" smtClean="0">
                 <a:latin typeface="Comic Sans MS" pitchFamily="66" charset="0"/>
               </a:rPr>
-              <a:t>13M.</a:t>
+              <a:t>.</a:t>
             </a:r>
             <a:fld id="{8EFAB908-805A-4676-B0DE-7F22E787CA05}" type="slidenum">
               <a:rPr lang="en-US" sz="1200" i="0" smtClean="0">
@@ -2914,7 +2908,22 @@
                 <a:uFillTx/>
                 <a:latin typeface="Comic Sans MS" pitchFamily="66" charset="0"/>
               </a:rPr>
-              <a:t>Albert R Meyer,                May 7, 2012</a:t>
+              <a:t>Albert R Meyer,                May </a:t>
+            </a:r>
+            <a:r>
+              <a:rPr kumimoji="0" lang="en-US" sz="1200" b="0" i="0" u="none" strike="noStrike" kern="1200" cap="none" spc="0" normalizeH="0" baseline="0" noProof="0" dirty="0" smtClean="0">
+                <a:ln>
+                  <a:noFill/>
+                </a:ln>
+                <a:solidFill>
+                  <a:schemeClr val="tx1"/>
+                </a:solidFill>
+                <a:effectLst/>
+                <a:uLnTx/>
+                <a:uFillTx/>
+                <a:latin typeface="Comic Sans MS" pitchFamily="66" charset="0"/>
+              </a:rPr>
+              <a:t>10, 2013</a:t>
             </a:r>
             <a:endParaRPr kumimoji="0" lang="en-US" sz="1200" b="0" i="0" u="none" strike="noStrike" kern="1200" cap="none" spc="0" normalizeH="0" baseline="0" noProof="0" dirty="0">
               <a:ln>
@@ -4155,11 +4164,11 @@
   <p:clrMapOvr>
     <a:masterClrMapping/>
   </p:clrMapOvr>
-  <mc:AlternateContent xmlns:mc="http://schemas.openxmlformats.org/markup-compatibility/2006">
-    <mc:Choice xmlns:p14="http://schemas.microsoft.com/office/powerpoint/2010/main" Requires="p14">
+  <mc:AlternateContent xmlns:mc="http://schemas.openxmlformats.org/markup-compatibility/2006" xmlns:p14="http://schemas.microsoft.com/office/powerpoint/2010/main">
+    <mc:Choice Requires="p14">
       <p:transition p14:dur="0" advClick="0"/>
     </mc:Choice>
-    <mc:Fallback>
+    <mc:Fallback xmlns="">
       <p:transition xmlns:p14="http://schemas.microsoft.com/office/powerpoint/2010/main" advClick="0"/>
     </mc:Fallback>
   </mc:AlternateContent>
@@ -5152,7 +5161,7 @@
           <a:graphicData uri="http://schemas.openxmlformats.org/presentationml/2006/ole">
             <mc:AlternateContent xmlns:mc="http://schemas.openxmlformats.org/markup-compatibility/2006">
               <mc:Choice xmlns:v="urn:schemas-microsoft-com:vml" Requires="v">
-                <p:oleObj spid="_x0000_s490590" name="Equation" r:id="rId5" imgW="1511300" imgH="203200" progId="Equation.DSMT4">
+                <p:oleObj spid="_x0000_s490597" name="Equation" r:id="rId5" imgW="1511300" imgH="203200" progId="Equation.DSMT4">
                   <p:embed/>
                 </p:oleObj>
               </mc:Choice>
@@ -5256,7 +5265,7 @@
           <a:graphicData uri="http://schemas.openxmlformats.org/presentationml/2006/ole">
             <mc:AlternateContent xmlns:mc="http://schemas.openxmlformats.org/markup-compatibility/2006">
               <mc:Choice xmlns:v="urn:schemas-microsoft-com:vml" Requires="v">
-                <p:oleObj spid="_x0000_s490591" name="Equation" r:id="rId7" imgW="1181100" imgH="419100" progId="Equation.DSMT4">
+                <p:oleObj spid="_x0000_s490598" name="Equation" r:id="rId7" imgW="1181100" imgH="419100" progId="Equation.DSMT4">
                   <p:embed/>
                 </p:oleObj>
               </mc:Choice>
@@ -5332,7 +5341,7 @@
           <a:graphicData uri="http://schemas.openxmlformats.org/presentationml/2006/ole">
             <mc:AlternateContent xmlns:mc="http://schemas.openxmlformats.org/markup-compatibility/2006">
               <mc:Choice xmlns:v="urn:schemas-microsoft-com:vml" Requires="v">
-                <p:oleObj spid="_x0000_s490592" name="Equation" r:id="rId9" imgW="1104900" imgH="203200" progId="Equation.DSMT4">
+                <p:oleObj spid="_x0000_s490599" name="Equation" r:id="rId9" imgW="1104900" imgH="203200" progId="Equation.DSMT4">
                   <p:embed/>
                 </p:oleObj>
               </mc:Choice>
@@ -5560,7 +5569,6 @@
               <a:rPr lang="en-US" sz="4400" dirty="0" smtClean="0"/>
               <a:t>Improved Markov Bound</a:t>
             </a:r>
-            <a:endParaRPr lang="en-US" sz="4400" dirty="0" smtClean="0"/>
           </a:p>
         </p:txBody>
       </p:sp>
@@ -5574,8 +5582,8 @@
         </p:nvSpPr>
         <p:spPr bwMode="auto">
           <a:xfrm>
-            <a:off x="849665" y="2134751"/>
-            <a:ext cx="7454196" cy="2585323"/>
+            <a:off x="290865" y="1868051"/>
+            <a:ext cx="8529498" cy="3139321"/>
           </a:xfrm>
           <a:prstGeom prst="rect">
             <a:avLst/>
@@ -5595,13 +5603,13 @@
           <a:lstStyle/>
           <a:p>
             <a:r>
-              <a:rPr lang="en-US" sz="5400" b="1" dirty="0">
+              <a:rPr lang="en-US" sz="6600" dirty="0">
                 <a:latin typeface="Comic Sans MS" pitchFamily="66" charset="0"/>
               </a:rPr>
               <a:t>Better bound </a:t>
             </a:r>
             <a:r>
-              <a:rPr lang="en-US" sz="5400" b="1" dirty="0" smtClean="0">
+              <a:rPr lang="en-US" sz="6600" dirty="0" smtClean="0">
                 <a:latin typeface="Comic Sans MS" pitchFamily="66" charset="0"/>
               </a:rPr>
               <a:t>from</a:t>
@@ -5609,13 +5617,13 @@
           </a:p>
           <a:p>
             <a:r>
-              <a:rPr lang="en-US" sz="5400" b="1" dirty="0" smtClean="0">
+              <a:rPr lang="en-US" sz="6600" dirty="0" smtClean="0">
                 <a:latin typeface="Comic Sans MS" pitchFamily="66" charset="0"/>
               </a:rPr>
               <a:t>Markov by shifting </a:t>
             </a:r>
             <a:r>
-              <a:rPr lang="en-US" sz="5400" b="1" dirty="0" smtClean="0">
+              <a:rPr lang="en-US" sz="6600" dirty="0" smtClean="0">
                 <a:solidFill>
                   <a:schemeClr val="accent1">
                     <a:lumMod val="50000"/>
@@ -5625,25 +5633,25 @@
               </a:rPr>
               <a:t>R</a:t>
             </a:r>
-            <a:endParaRPr lang="en-US" sz="5400" b="1" dirty="0">
+            <a:endParaRPr lang="en-US" sz="6600" dirty="0">
               <a:latin typeface="Comic Sans MS" pitchFamily="66" charset="0"/>
             </a:endParaRPr>
           </a:p>
           <a:p>
             <a:r>
-              <a:rPr lang="en-US" sz="5400" b="1" dirty="0" smtClean="0">
+              <a:rPr lang="en-US" sz="6600" dirty="0" smtClean="0">
                 <a:latin typeface="Comic Sans MS" pitchFamily="66" charset="0"/>
               </a:rPr>
               <a:t>to </a:t>
             </a:r>
             <a:r>
-              <a:rPr lang="en-US" sz="5400" b="1" dirty="0">
+              <a:rPr lang="en-US" sz="6600" dirty="0">
                 <a:latin typeface="Comic Sans MS" pitchFamily="66" charset="0"/>
               </a:rPr>
               <a:t>have </a:t>
             </a:r>
             <a:r>
-              <a:rPr lang="en-US" sz="5400" b="1" dirty="0">
+              <a:rPr lang="en-US" sz="6600" dirty="0">
                 <a:solidFill>
                   <a:schemeClr val="accent1">
                     <a:lumMod val="50000"/>
@@ -5654,7 +5662,7 @@
               <a:t>0</a:t>
             </a:r>
             <a:r>
-              <a:rPr lang="en-US" sz="5400" b="1" dirty="0">
+              <a:rPr lang="en-US" sz="6600" dirty="0">
                 <a:latin typeface="Comic Sans MS" pitchFamily="66" charset="0"/>
               </a:rPr>
               <a:t> as minimum</a:t>
@@ -5667,13 +5675,13 @@
   <p:clrMapOvr>
     <a:masterClrMapping/>
   </p:clrMapOvr>
-  <mc:AlternateContent xmlns:mc="http://schemas.openxmlformats.org/markup-compatibility/2006">
-    <mc:Choice xmlns:p14="http://schemas.microsoft.com/office/powerpoint/2010/main" Requires="p14">
+  <mc:AlternateContent xmlns:mc="http://schemas.openxmlformats.org/markup-compatibility/2006" xmlns:p14="http://schemas.microsoft.com/office/powerpoint/2010/main">
+    <mc:Choice Requires="p14">
       <p:transition spd="slow" p14:dur="800" advClick="0">
         <p:fade thruBlk="1"/>
       </p:transition>
     </mc:Choice>
-    <mc:Fallback>
+    <mc:Fallback xmlns="">
       <p:transition xmlns:p14="http://schemas.microsoft.com/office/powerpoint/2010/main" spd="slow" advClick="0">
         <p:fade thruBlk="1"/>
       </p:transition>
@@ -6563,13 +6571,13 @@
   <p:clrMapOvr>
     <a:masterClrMapping/>
   </p:clrMapOvr>
-  <mc:AlternateContent xmlns:mc="http://schemas.openxmlformats.org/markup-compatibility/2006">
-    <mc:Choice xmlns:p14="http://schemas.microsoft.com/office/powerpoint/2010/main" Requires="p14">
+  <mc:AlternateContent xmlns:mc="http://schemas.openxmlformats.org/markup-compatibility/2006" xmlns:p14="http://schemas.microsoft.com/office/powerpoint/2010/main">
+    <mc:Choice Requires="p14">
       <p:transition spd="slow" p14:dur="1200" advClick="0">
         <p:fade thruBlk="1"/>
       </p:transition>
     </mc:Choice>
-    <mc:Fallback>
+    <mc:Fallback xmlns="">
       <p:transition xmlns:p14="http://schemas.microsoft.com/office/powerpoint/2010/main" spd="slow" advClick="0">
         <p:fade thruBlk="1"/>
       </p:transition>
@@ -7906,22 +7914,28 @@
           <p:cNvGraphicFramePr>
             <a:graphicFrameLocks noChangeAspect="1"/>
           </p:cNvGraphicFramePr>
-          <p:nvPr/>
+          <p:nvPr>
+            <p:extLst>
+              <p:ext uri="{D42A27DB-BD31-4B8C-83A1-F6EECF244321}">
+                <p14:modId xmlns:p14="http://schemas.microsoft.com/office/powerpoint/2010/main" val="3655480363"/>
+              </p:ext>
+            </p:extLst>
+          </p:nvPr>
         </p:nvGraphicFramePr>
         <p:xfrm>
-          <a:off x="374650" y="3394075"/>
-          <a:ext cx="8289925" cy="1944688"/>
+          <a:off x="406400" y="3332163"/>
+          <a:ext cx="8226425" cy="2070100"/>
         </p:xfrm>
         <a:graphic>
           <a:graphicData uri="http://schemas.openxmlformats.org/presentationml/2006/ole">
             <mc:AlternateContent xmlns:mc="http://schemas.openxmlformats.org/markup-compatibility/2006">
               <mc:Choice xmlns:v="urn:schemas-microsoft-com:vml" Requires="v">
-                <p:oleObj spid="_x0000_s2084" name="Equation" r:id="rId4" imgW="1638000" imgH="393480" progId="Equation.DSMT4">
+                <p:oleObj spid="_x0000_s2087" name="Equation" r:id="rId4" imgW="1625600" imgH="419100" progId="Equation.DSMT4">
                   <p:embed/>
                 </p:oleObj>
               </mc:Choice>
               <mc:Fallback>
-                <p:oleObj name="Equation" r:id="rId4" imgW="1638000" imgH="393480" progId="Equation.DSMT4">
+                <p:oleObj name="Equation" r:id="rId4" imgW="1625600" imgH="419100" progId="Equation.DSMT4">
                   <p:embed/>
                   <p:pic>
                     <p:nvPicPr>
@@ -7932,13 +7946,7 @@
                       <p:nvPr/>
                     </p:nvPicPr>
                     <p:blipFill>
-                      <a:blip r:embed="rId5">
-                        <a:extLst>
-                          <a:ext uri="{28A0092B-C50C-407E-A947-70E740481C1C}">
-                            <a14:useLocalDpi xmlns:a14="http://schemas.microsoft.com/office/drawing/2010/main" val="0"/>
-                          </a:ext>
-                        </a:extLst>
-                      </a:blip>
+                      <a:blip r:embed="rId5"/>
                       <a:srcRect/>
                       <a:stretch>
                         <a:fillRect/>
@@ -7946,8 +7954,8 @@
                     </p:blipFill>
                     <p:spPr bwMode="auto">
                       <a:xfrm>
-                        <a:off x="374650" y="3394075"/>
-                        <a:ext cx="8289925" cy="1944688"/>
+                        <a:off x="406400" y="3332163"/>
+                        <a:ext cx="8226425" cy="2070100"/>
                       </a:xfrm>
                       <a:prstGeom prst="rect">
                         <a:avLst/>
@@ -8207,7 +8215,7 @@
           <a:graphicData uri="http://schemas.openxmlformats.org/presentationml/2006/ole">
             <mc:AlternateContent xmlns:mc="http://schemas.openxmlformats.org/markup-compatibility/2006">
               <mc:Choice xmlns:v="urn:schemas-microsoft-com:vml" Requires="v">
-                <p:oleObj spid="_x0000_s3109" name="Equation" r:id="rId5" imgW="1181100" imgH="419100" progId="Equation.DSMT4">
+                <p:oleObj spid="_x0000_s3112" name="Equation" r:id="rId5" imgW="1181100" imgH="419100" progId="Equation.DSMT4">
                   <p:embed/>
                 </p:oleObj>
               </mc:Choice>
@@ -8717,7 +8725,7 @@
           <a:graphicData uri="http://schemas.openxmlformats.org/presentationml/2006/ole">
             <mc:AlternateContent xmlns:mc="http://schemas.openxmlformats.org/markup-compatibility/2006">
               <mc:Choice xmlns:v="urn:schemas-microsoft-com:vml" Requires="v">
-                <p:oleObj spid="_x0000_s4135" name="Equation" r:id="rId5" imgW="1155700" imgH="444500" progId="Equation.DSMT4">
+                <p:oleObj spid="_x0000_s4138" name="Equation" r:id="rId5" imgW="1155700" imgH="444500" progId="Equation.DSMT4">
                   <p:embed/>
                 </p:oleObj>
               </mc:Choice>
@@ -9457,8 +9465,8 @@
         </p:nvSpPr>
         <p:spPr>
           <a:xfrm>
-            <a:off x="431800" y="3302000"/>
-            <a:ext cx="8242300" cy="3213100"/>
+            <a:off x="455613" y="965200"/>
+            <a:ext cx="8180387" cy="4902200"/>
           </a:xfrm>
         </p:spPr>
         <p:txBody>
@@ -9470,58 +9478,168 @@
               <a:buNone/>
             </a:pPr>
             <a:r>
-              <a:rPr lang="en-US" sz="4800" dirty="0" smtClean="0"/>
-              <a:t>(let </a:t>
-            </a:r>
-            <a:r>
-              <a:rPr lang="en-US" sz="4800" dirty="0" err="1" smtClean="0">
+              <a:rPr lang="en-US" sz="5400" dirty="0"/>
+              <a:t>L</a:t>
+            </a:r>
+            <a:r>
+              <a:rPr lang="en-US" sz="5400" dirty="0" smtClean="0"/>
+              <a:t>et </a:t>
+            </a:r>
+            <a:r>
+              <a:rPr lang="en-US" sz="5400" dirty="0" smtClean="0">
                 <a:solidFill>
                   <a:srgbClr val="0000FF"/>
                 </a:solidFill>
               </a:rPr>
-              <a:t>x</a:t>
-            </a:r>
-            <a:r>
-              <a:rPr lang="en-US" sz="4800" dirty="0" smtClean="0">
+              <a:t>x </a:t>
+            </a:r>
+            <a:r>
+              <a:rPr lang="en-US" sz="5400" b="1" dirty="0" smtClean="0">
                 <a:solidFill>
                   <a:srgbClr val="0000FF"/>
                 </a:solidFill>
-              </a:rPr>
-              <a:t> = </a:t>
-            </a:r>
-            <a:r>
-              <a:rPr lang="en-US" sz="4800" dirty="0" err="1" smtClean="0">
+                <a:latin typeface="Euclid Symbol" charset="2"/>
+                <a:cs typeface="Euclid Symbol" charset="2"/>
+              </a:rPr>
+              <a:t>=</a:t>
+            </a:r>
+            <a:r>
+              <a:rPr lang="en-US" sz="5400" dirty="0" smtClean="0">
+                <a:solidFill>
+                  <a:srgbClr val="FF6600"/>
+                </a:solidFill>
+              </a:rPr>
+              <a:t> </a:t>
+            </a:r>
+            <a:r>
+              <a:rPr lang="en-US" sz="5400" dirty="0" err="1" smtClean="0">
+                <a:solidFill>
+                  <a:srgbClr val="FF6600"/>
+                </a:solidFill>
+              </a:rPr>
+              <a:t>c</a:t>
+            </a:r>
+            <a:r>
+              <a:rPr lang="en-US" sz="5400" dirty="0" err="1" smtClean="0">
+                <a:cs typeface="Times New Roman" pitchFamily="18" charset="0"/>
+              </a:rPr>
+              <a:t>·</a:t>
+            </a:r>
+            <a:r>
+              <a:rPr lang="en-US" sz="5400" dirty="0" err="1" smtClean="0">
                 <a:solidFill>
                   <a:srgbClr val="0000FF"/>
                 </a:solidFill>
               </a:rPr>
-              <a:t>c</a:t>
-            </a:r>
-            <a:r>
-              <a:rPr lang="en-US" sz="4800" dirty="0" err="1" smtClean="0">
-                <a:cs typeface="Times New Roman" pitchFamily="18" charset="0"/>
-              </a:rPr>
-              <a:t>·</a:t>
-            </a:r>
-            <a:r>
-              <a:rPr lang="en-US" sz="4800" dirty="0" err="1" smtClean="0">
+              <a:t>E</a:t>
+            </a:r>
+            <a:r>
+              <a:rPr lang="en-US" sz="5400" dirty="0" smtClean="0">
                 <a:solidFill>
                   <a:srgbClr val="0000FF"/>
                 </a:solidFill>
               </a:rPr>
-              <a:t>E[R</a:t>
-            </a:r>
-            <a:r>
-              <a:rPr lang="en-US" sz="4800" dirty="0" smtClean="0">
+              <a:t>[R</a:t>
+            </a:r>
+            <a:r>
+              <a:rPr lang="en-US" sz="5400" dirty="0" smtClean="0">
                 <a:solidFill>
                   <a:srgbClr val="0000FF"/>
                 </a:solidFill>
               </a:rPr>
-              <a:t>] </a:t>
-            </a:r>
-            <a:r>
-              <a:rPr lang="en-US" sz="4800" dirty="0" smtClean="0"/>
-              <a:t>in previous)</a:t>
+              <a:t>]:</a:t>
+            </a:r>
+            <a:endParaRPr lang="en-US" sz="5400" dirty="0"/>
+          </a:p>
+          <a:p>
+            <a:pPr eaLnBrk="1" hangingPunct="1">
+              <a:buFontTx/>
+              <a:buNone/>
+            </a:pPr>
+            <a:endParaRPr lang="en-US" sz="4800" dirty="0" smtClean="0"/>
+          </a:p>
+          <a:p>
+            <a:pPr eaLnBrk="1" hangingPunct="1">
+              <a:buFontTx/>
+              <a:buNone/>
+            </a:pPr>
+            <a:endParaRPr lang="en-US" sz="4800" dirty="0" smtClean="0"/>
+          </a:p>
+          <a:p>
+            <a:pPr algn="ctr" eaLnBrk="1" hangingPunct="1">
+              <a:lnSpc>
+                <a:spcPct val="120000"/>
+              </a:lnSpc>
+              <a:buFontTx/>
+              <a:buNone/>
+            </a:pPr>
+            <a:r>
+              <a:rPr lang="en-US" sz="5400" dirty="0" err="1" smtClean="0">
+                <a:solidFill>
+                  <a:srgbClr val="0033CC"/>
+                </a:solidFill>
+              </a:rPr>
+              <a:t>Pr</a:t>
+            </a:r>
+            <a:r>
+              <a:rPr lang="en-US" sz="5400" dirty="0" smtClean="0">
+                <a:solidFill>
+                  <a:srgbClr val="0033CC"/>
+                </a:solidFill>
+              </a:rPr>
+              <a:t>[R </a:t>
+            </a:r>
+            <a:r>
+              <a:rPr lang="en-US" sz="5400" b="1" dirty="0" smtClean="0">
+                <a:solidFill>
+                  <a:srgbClr val="0033CC"/>
+                </a:solidFill>
+                <a:latin typeface="Euclid Symbol" charset="2"/>
+                <a:cs typeface="Euclid Symbol" charset="2"/>
+              </a:rPr>
+              <a:t>≥</a:t>
+            </a:r>
+            <a:r>
+              <a:rPr lang="en-US" sz="5400" dirty="0" smtClean="0">
+                <a:solidFill>
+                  <a:srgbClr val="0033CC"/>
+                </a:solidFill>
+                <a:cs typeface="Times New Roman" pitchFamily="18" charset="0"/>
+              </a:rPr>
+              <a:t> </a:t>
+            </a:r>
+            <a:r>
+              <a:rPr lang="en-US" sz="5400" dirty="0" smtClean="0">
+                <a:solidFill>
+                  <a:srgbClr val="008000"/>
+                </a:solidFill>
+              </a:rPr>
+              <a:t>3</a:t>
+            </a:r>
+            <a:r>
+              <a:rPr lang="en-US" sz="5400" dirty="0" smtClean="0">
+                <a:solidFill>
+                  <a:srgbClr val="0033CC"/>
+                </a:solidFill>
+                <a:cs typeface="Times New Roman" pitchFamily="18" charset="0"/>
+              </a:rPr>
+              <a:t>·</a:t>
+            </a:r>
+            <a:r>
+              <a:rPr lang="en-US" sz="5400" dirty="0" smtClean="0">
+                <a:solidFill>
+                  <a:srgbClr val="0033CC"/>
+                </a:solidFill>
+              </a:rPr>
+              <a:t>expected</a:t>
+            </a:r>
+            <a:r>
+              <a:rPr lang="en-US" sz="5400" dirty="0" smtClean="0">
+                <a:solidFill>
+                  <a:srgbClr val="0033CC"/>
+                </a:solidFill>
+              </a:rPr>
+              <a:t>]</a:t>
             </a:r>
           </a:p>
           <a:p>
@@ -9530,163 +9648,40 @@
               <a:buNone/>
             </a:pPr>
             <a:r>
-              <a:rPr lang="en-US" sz="4800" dirty="0" err="1" smtClean="0"/>
-              <a:t>Pr</a:t>
-            </a:r>
-            <a:r>
-              <a:rPr lang="en-US" sz="4800" dirty="0" smtClean="0"/>
-              <a:t>[deviates </a:t>
-            </a:r>
-            <a:r>
-              <a:rPr lang="en-US" sz="4800" b="1" dirty="0" smtClean="0">
+              <a:rPr lang="en-US" sz="5400" b="1" dirty="0" smtClean="0">
                 <a:latin typeface="Euclid Symbol" charset="2"/>
                 <a:cs typeface="Euclid Symbol" charset="2"/>
               </a:rPr>
-              <a:t>≥</a:t>
-            </a:r>
-            <a:r>
-              <a:rPr lang="en-US" sz="4800" dirty="0" smtClean="0">
-                <a:cs typeface="Times New Roman" pitchFamily="18" charset="0"/>
-              </a:rPr>
-              <a:t> </a:t>
-            </a:r>
-            <a:r>
-              <a:rPr lang="en-US" sz="4800" dirty="0" smtClean="0">
+              <a:t>≤</a:t>
+            </a:r>
+            <a:r>
+              <a:rPr lang="en-US" sz="5400" dirty="0" smtClean="0"/>
+              <a:t>  </a:t>
+            </a:r>
+            <a:r>
+              <a:rPr lang="en-US" sz="5400" dirty="0" smtClean="0">
+                <a:solidFill>
+                  <a:srgbClr val="0033CC"/>
+                </a:solidFill>
+              </a:rPr>
+              <a:t>1/</a:t>
+            </a:r>
+            <a:r>
+              <a:rPr lang="en-US" sz="5400" dirty="0" smtClean="0">
                 <a:solidFill>
                   <a:srgbClr val="008000"/>
                 </a:solidFill>
               </a:rPr>
               <a:t>3</a:t>
             </a:r>
-            <a:r>
-              <a:rPr lang="en-US" sz="4800" dirty="0" smtClean="0"/>
-              <a:t> </a:t>
-            </a:r>
-            <a:r>
-              <a:rPr lang="en-US" sz="4800" dirty="0" smtClean="0">
-                <a:cs typeface="Times New Roman" pitchFamily="18" charset="0"/>
-              </a:rPr>
-              <a:t>·</a:t>
-            </a:r>
-            <a:r>
-              <a:rPr lang="en-US" sz="4800" dirty="0" smtClean="0"/>
-              <a:t> </a:t>
-            </a:r>
-            <a:r>
-              <a:rPr lang="en-US" sz="4800" dirty="0" smtClean="0"/>
-              <a:t>expected]</a:t>
-            </a:r>
-            <a:endParaRPr lang="en-US" sz="4800" dirty="0" smtClean="0"/>
-          </a:p>
-          <a:p>
-            <a:pPr algn="ctr" eaLnBrk="1" hangingPunct="1">
-              <a:buFontTx/>
-              <a:buNone/>
-            </a:pPr>
-            <a:r>
-              <a:rPr lang="en-US" sz="6600" dirty="0" smtClean="0"/>
-              <a:t> </a:t>
-            </a:r>
-            <a:r>
-              <a:rPr lang="en-US" sz="6600" b="1" dirty="0" smtClean="0">
-                <a:latin typeface="Euclid Symbol" charset="2"/>
-                <a:cs typeface="Euclid Symbol" charset="2"/>
-              </a:rPr>
-              <a:t>≤</a:t>
-            </a:r>
-            <a:r>
-              <a:rPr lang="en-US" sz="6600" dirty="0" smtClean="0"/>
-              <a:t>  </a:t>
-            </a:r>
-            <a:r>
-              <a:rPr lang="en-US" sz="6600" dirty="0" smtClean="0">
-                <a:solidFill>
-                  <a:srgbClr val="008000"/>
-                </a:solidFill>
-              </a:rPr>
-              <a:t>1/3</a:t>
-            </a:r>
+            <a:endParaRPr lang="en-US" sz="6600" dirty="0" smtClean="0">
+              <a:solidFill>
+                <a:srgbClr val="008000"/>
+              </a:solidFill>
+            </a:endParaRPr>
           </a:p>
         </p:txBody>
       </p:sp>
-      <p:graphicFrame>
-        <p:nvGraphicFramePr>
-          <p:cNvPr id="5122" name="Object 2"/>
-          <p:cNvGraphicFramePr>
-            <a:graphicFrameLocks noChangeAspect="1"/>
-          </p:cNvGraphicFramePr>
-          <p:nvPr>
-            <p:extLst>
-              <p:ext uri="{D42A27DB-BD31-4B8C-83A1-F6EECF244321}">
-                <p14:modId xmlns:p14="http://schemas.microsoft.com/office/powerpoint/2010/main" val="539310231"/>
-              </p:ext>
-            </p:extLst>
-          </p:nvPr>
-        </p:nvGraphicFramePr>
-        <p:xfrm>
-          <a:off x="2085975" y="1274763"/>
-          <a:ext cx="4967288" cy="1951037"/>
-        </p:xfrm>
-        <a:graphic>
-          <a:graphicData uri="http://schemas.openxmlformats.org/presentationml/2006/ole">
-            <mc:AlternateContent xmlns:mc="http://schemas.openxmlformats.org/markup-compatibility/2006">
-              <mc:Choice xmlns:v="urn:schemas-microsoft-com:vml" Requires="v">
-                <p:oleObj spid="_x0000_s5157" name="Equation" r:id="rId4" imgW="1041400" imgH="419100" progId="Equation.DSMT4">
-                  <p:embed/>
-                </p:oleObj>
-              </mc:Choice>
-              <mc:Fallback>
-                <p:oleObj name="Equation" r:id="rId4" imgW="1041400" imgH="419100" progId="Equation.DSMT4">
-                  <p:embed/>
-                  <p:pic>
-                    <p:nvPicPr>
-                      <p:cNvPr id="0" name="Object 2"/>
-                      <p:cNvPicPr>
-                        <a:picLocks noChangeAspect="1" noChangeArrowheads="1"/>
-                      </p:cNvPicPr>
-                      <p:nvPr/>
-                    </p:nvPicPr>
-                    <p:blipFill>
-                      <a:blip r:embed="rId5"/>
-                      <a:srcRect/>
-                      <a:stretch>
-                        <a:fillRect/>
-                      </a:stretch>
-                    </p:blipFill>
-                    <p:spPr bwMode="auto">
-                      <a:xfrm>
-                        <a:off x="2085975" y="1274763"/>
-                        <a:ext cx="4967288" cy="1951037"/>
-                      </a:xfrm>
-                      <a:prstGeom prst="rect">
-                        <a:avLst/>
-                      </a:prstGeom>
-                      <a:noFill/>
-                      <a:ln w="28575">
-                        <a:solidFill>
-                          <a:srgbClr val="FF00FF"/>
-                        </a:solidFill>
-                        <a:miter lim="800000"/>
-                        <a:headEnd/>
-                        <a:tailEnd/>
-                      </a:ln>
-                      <a:extLst>
-                        <a:ext uri="{909E8E84-426E-40dd-AFC4-6F175D3DCCD1}">
-                          <a14:hiddenFill xmlns:a14="http://schemas.microsoft.com/office/drawing/2010/main">
-                            <a:solidFill>
-                              <a:srgbClr val="FFFFFF"/>
-                            </a:solidFill>
-                          </a14:hiddenFill>
-                        </a:ext>
-                      </a:extLst>
-                    </p:spPr>
-                  </p:pic>
-                </p:oleObj>
-              </mc:Fallback>
-            </mc:AlternateContent>
-          </a:graphicData>
-        </a:graphic>
-      </p:graphicFrame>
       <p:sp>
         <p:nvSpPr>
           <p:cNvPr id="5125" name="Rectangle 7"/>
@@ -9699,8 +9694,8 @@
         </p:nvSpPr>
         <p:spPr>
           <a:xfrm>
-            <a:off x="1231900" y="304800"/>
-            <a:ext cx="7642225" cy="1266825"/>
+            <a:off x="1397001" y="63501"/>
+            <a:ext cx="7264399" cy="1104899"/>
           </a:xfrm>
           <a:noFill/>
         </p:spPr>
@@ -9710,13 +9705,117 @@
           <a:p>
             <a:pPr eaLnBrk="1" hangingPunct="1"/>
             <a:r>
-              <a:rPr lang="en-US" smtClean="0">
+              <a:rPr lang="en-US" sz="4400" dirty="0" smtClean="0">
                 <a:solidFill>
                   <a:schemeClr val="tx1"/>
                 </a:solidFill>
               </a:rPr>
-              <a:t>Markov Bound (Alternate Form)</a:t>
-            </a:r>
+              <a:t>Markov Bound </a:t>
+            </a:r>
+            <a:r>
+              <a:rPr lang="en-US" sz="4400" dirty="0" smtClean="0">
+                <a:solidFill>
+                  <a:schemeClr val="tx1"/>
+                </a:solidFill>
+              </a:rPr>
+              <a:t>(Restated)</a:t>
+            </a:r>
+            <a:endParaRPr lang="en-US" sz="4400" dirty="0" smtClean="0">
+              <a:solidFill>
+                <a:schemeClr val="tx1"/>
+              </a:solidFill>
+            </a:endParaRPr>
+          </a:p>
+        </p:txBody>
+      </p:sp>
+      <p:graphicFrame>
+        <p:nvGraphicFramePr>
+          <p:cNvPr id="2" name="Object 1"/>
+          <p:cNvGraphicFramePr>
+            <a:graphicFrameLocks noChangeAspect="1"/>
+          </p:cNvGraphicFramePr>
+          <p:nvPr>
+            <p:extLst>
+              <p:ext uri="{D42A27DB-BD31-4B8C-83A1-F6EECF244321}">
+                <p14:modId xmlns:p14="http://schemas.microsoft.com/office/powerpoint/2010/main" val="693780008"/>
+              </p:ext>
+            </p:extLst>
+          </p:nvPr>
+        </p:nvGraphicFramePr>
+        <p:xfrm>
+          <a:off x="1619249" y="1714499"/>
+          <a:ext cx="5721351" cy="2302495"/>
+        </p:xfrm>
+        <a:graphic>
+          <a:graphicData uri="http://schemas.openxmlformats.org/presentationml/2006/ole">
+            <mc:AlternateContent xmlns:mc="http://schemas.openxmlformats.org/markup-compatibility/2006">
+              <mc:Choice xmlns:v="urn:schemas-microsoft-com:vml" Requires="v">
+                <p:oleObj spid="_x0000_s5162" name="Equation" r:id="rId4" imgW="1041400" imgH="419100" progId="Equation.DSMT4">
+                  <p:embed/>
+                </p:oleObj>
+              </mc:Choice>
+              <mc:Fallback>
+                <p:oleObj name="Equation" r:id="rId4" imgW="1041400" imgH="419100" progId="Equation.DSMT4">
+                  <p:embed/>
+                  <p:pic>
+                    <p:nvPicPr>
+                      <p:cNvPr id="0" name=""/>
+                      <p:cNvPicPr/>
+                      <p:nvPr/>
+                    </p:nvPicPr>
+                    <p:blipFill>
+                      <a:blip r:embed="rId5"/>
+                      <a:stretch>
+                        <a:fillRect/>
+                      </a:stretch>
+                    </p:blipFill>
+                    <p:spPr>
+                      <a:xfrm>
+                        <a:off x="1619249" y="1714499"/>
+                        <a:ext cx="5721351" cy="2302495"/>
+                      </a:xfrm>
+                      <a:prstGeom prst="rect">
+                        <a:avLst/>
+                      </a:prstGeom>
+                    </p:spPr>
+                  </p:pic>
+                </p:oleObj>
+              </mc:Fallback>
+            </mc:AlternateContent>
+          </a:graphicData>
+        </a:graphic>
+      </p:graphicFrame>
+      <p:sp>
+        <p:nvSpPr>
+          <p:cNvPr id="3" name="Rectangle 2"/>
+          <p:cNvSpPr/>
+          <p:nvPr/>
+        </p:nvSpPr>
+        <p:spPr bwMode="auto">
+          <a:xfrm>
+            <a:off x="1282700" y="1930400"/>
+            <a:ext cx="6299200" cy="2032000"/>
+          </a:xfrm>
+          <a:prstGeom prst="rect">
+            <a:avLst/>
+          </a:prstGeom>
+          <a:noFill/>
+          <a:ln w="44450">
+            <a:solidFill>
+              <a:srgbClr val="FF00FF"/>
+            </a:solidFill>
+            <a:prstDash val="sysDash"/>
+            <a:miter lim="800000"/>
+            <a:headEnd/>
+            <a:tailEnd type="none" w="lg" len="lg"/>
+          </a:ln>
+        </p:spPr>
+        <p:txBody>
+          <a:bodyPr wrap="none" rtlCol="0" anchor="ctr"/>
+          <a:lstStyle/>
+          <a:p>
+            <a:pPr algn="ctr"/>
+            <a:endParaRPr lang="en-US"/>
           </a:p>
         </p:txBody>
       </p:sp>
@@ -9749,7 +9848,7 @@
                             </p:stCondLst>
                             <p:childTnLst>
                               <p:par>
-                                <p:cTn id="5" presetID="1" presetClass="entr" presetSubtype="0" fill="hold" nodeType="clickEffect">
+                                <p:cTn id="5" presetID="10" presetClass="entr" presetSubtype="0" fill="hold" nodeType="clickEffect">
                                   <p:stCondLst>
                                     <p:cond delay="0"/>
                                   </p:stCondLst>
@@ -9764,7 +9863,7 @@
                                         <p:tgtEl>
                                           <p:spTgt spid="715779">
                                             <p:txEl>
-                                              <p:pRg st="1" end="1"/>
+                                              <p:pRg st="0" end="0"/>
                                             </p:txEl>
                                           </p:spTgt>
                                         </p:tgtEl>
@@ -9776,18 +9875,101 @@
                                         <p:strVal val="visible"/>
                                       </p:to>
                                     </p:set>
+                                    <p:animEffect transition="in" filter="fade">
+                                      <p:cBhvr>
+                                        <p:cTn id="7" dur="500"/>
+                                        <p:tgtEl>
+                                          <p:spTgt spid="715779">
+                                            <p:txEl>
+                                              <p:pRg st="0" end="0"/>
+                                            </p:txEl>
+                                          </p:spTgt>
+                                        </p:tgtEl>
+                                      </p:cBhvr>
+                                    </p:animEffect>
                                   </p:childTnLst>
                                 </p:cTn>
                               </p:par>
+                            </p:childTnLst>
+                          </p:cTn>
+                        </p:par>
+                      </p:childTnLst>
+                    </p:cTn>
+                  </p:par>
+                  <p:par>
+                    <p:cTn id="8" fill="hold">
+                      <p:stCondLst>
+                        <p:cond delay="indefinite"/>
+                      </p:stCondLst>
+                      <p:childTnLst>
+                        <p:par>
+                          <p:cTn id="9" fill="hold">
+                            <p:stCondLst>
+                              <p:cond delay="0"/>
+                            </p:stCondLst>
+                            <p:childTnLst>
                               <p:par>
-                                <p:cTn id="7" presetID="1" presetClass="entr" presetSubtype="0" fill="hold" nodeType="withEffect">
+                                <p:cTn id="10" presetID="22" presetClass="entr" presetSubtype="8" fill="hold" nodeType="clickEffect">
                                   <p:stCondLst>
                                     <p:cond delay="0"/>
                                   </p:stCondLst>
                                   <p:childTnLst>
                                     <p:set>
                                       <p:cBhvr>
-                                        <p:cTn id="8" dur="1" fill="hold">
+                                        <p:cTn id="11" dur="1" fill="hold">
+                                          <p:stCondLst>
+                                            <p:cond delay="0"/>
+                                          </p:stCondLst>
+                                        </p:cTn>
+                                        <p:tgtEl>
+                                          <p:spTgt spid="2"/>
+                                        </p:tgtEl>
+                                        <p:attrNameLst>
+                                          <p:attrName>style.visibility</p:attrName>
+                                        </p:attrNameLst>
+                                      </p:cBhvr>
+                                      <p:to>
+                                        <p:strVal val="visible"/>
+                                      </p:to>
+                                    </p:set>
+                                    <p:animEffect transition="in" filter="wipe(left)">
+                                      <p:cBhvr>
+                                        <p:cTn id="12" dur="1000"/>
+                                        <p:tgtEl>
+                                          <p:spTgt spid="2"/>
+                                        </p:tgtEl>
+                                      </p:cBhvr>
+                                    </p:animEffect>
+                                  </p:childTnLst>
+                                </p:cTn>
+                              </p:par>
+                            </p:childTnLst>
+                          </p:cTn>
+                        </p:par>
+                      </p:childTnLst>
+                    </p:cTn>
+                  </p:par>
+                  <p:par>
+                    <p:cTn id="13" fill="hold">
+                      <p:stCondLst>
+                        <p:cond delay="indefinite"/>
+                      </p:stCondLst>
+                      <p:childTnLst>
+                        <p:par>
+                          <p:cTn id="14" fill="hold">
+                            <p:stCondLst>
+                              <p:cond delay="0"/>
+                            </p:stCondLst>
+                            <p:childTnLst>
+                              <p:par>
+                                <p:cTn id="15" presetID="10" presetClass="entr" presetSubtype="0" fill="hold" nodeType="clickEffect">
+                                  <p:stCondLst>
+                                    <p:cond delay="0"/>
+                                  </p:stCondLst>
+                                  <p:childTnLst>
+                                    <p:set>
+                                      <p:cBhvr>
+                                        <p:cTn id="16" dur="1" fill="hold">
                                           <p:stCondLst>
                                             <p:cond delay="0"/>
                                           </p:stCondLst>
@@ -9795,7 +9977,7 @@
                                         <p:tgtEl>
                                           <p:spTgt spid="715779">
                                             <p:txEl>
-                                              <p:pRg st="2" end="2"/>
+                                              <p:pRg st="3" end="3"/>
                                             </p:txEl>
                                           </p:spTgt>
                                         </p:tgtEl>
@@ -9807,6 +9989,114 @@
                                         <p:strVal val="visible"/>
                                       </p:to>
                                     </p:set>
+                                    <p:animEffect transition="in" filter="fade">
+                                      <p:cBhvr>
+                                        <p:cTn id="17" dur="500"/>
+                                        <p:tgtEl>
+                                          <p:spTgt spid="715779">
+                                            <p:txEl>
+                                              <p:pRg st="3" end="3"/>
+                                            </p:txEl>
+                                          </p:spTgt>
+                                        </p:tgtEl>
+                                      </p:cBhvr>
+                                    </p:animEffect>
+                                  </p:childTnLst>
+                                </p:cTn>
+                              </p:par>
+                              <p:par>
+                                <p:cTn id="18" presetID="10" presetClass="entr" presetSubtype="0" fill="hold" nodeType="withEffect">
+                                  <p:stCondLst>
+                                    <p:cond delay="0"/>
+                                  </p:stCondLst>
+                                  <p:childTnLst>
+                                    <p:set>
+                                      <p:cBhvr>
+                                        <p:cTn id="19" dur="1" fill="hold">
+                                          <p:stCondLst>
+                                            <p:cond delay="0"/>
+                                          </p:stCondLst>
+                                        </p:cTn>
+                                        <p:tgtEl>
+                                          <p:spTgt spid="715779">
+                                            <p:txEl>
+                                              <p:pRg st="4" end="4"/>
+                                            </p:txEl>
+                                          </p:spTgt>
+                                        </p:tgtEl>
+                                        <p:attrNameLst>
+                                          <p:attrName>style.visibility</p:attrName>
+                                        </p:attrNameLst>
+                                      </p:cBhvr>
+                                      <p:to>
+                                        <p:strVal val="visible"/>
+                                      </p:to>
+                                    </p:set>
+                                    <p:animEffect transition="in" filter="fade">
+                                      <p:cBhvr>
+                                        <p:cTn id="20" dur="500"/>
+                                        <p:tgtEl>
+                                          <p:spTgt spid="715779">
+                                            <p:txEl>
+                                              <p:pRg st="4" end="4"/>
+                                            </p:txEl>
+                                          </p:spTgt>
+                                        </p:tgtEl>
+                                      </p:cBhvr>
+                                    </p:animEffect>
+                                  </p:childTnLst>
+                                </p:cTn>
+                              </p:par>
+                            </p:childTnLst>
+                          </p:cTn>
+                        </p:par>
+                      </p:childTnLst>
+                    </p:cTn>
+                  </p:par>
+                  <p:par>
+                    <p:cTn id="21" fill="hold">
+                      <p:stCondLst>
+                        <p:cond delay="indefinite"/>
+                      </p:stCondLst>
+                      <p:childTnLst>
+                        <p:par>
+                          <p:cTn id="22" fill="hold">
+                            <p:stCondLst>
+                              <p:cond delay="0"/>
+                            </p:stCondLst>
+                            <p:childTnLst>
+                              <p:par>
+                                <p:cTn id="23" presetID="10" presetClass="entr" presetSubtype="0" fill="hold" grpId="0" nodeType="clickEffect">
+                                  <p:stCondLst>
+                                    <p:cond delay="0"/>
+                                  </p:stCondLst>
+                                  <p:childTnLst>
+                                    <p:set>
+                                      <p:cBhvr>
+                                        <p:cTn id="24" dur="1" fill="hold">
+                                          <p:stCondLst>
+                                            <p:cond delay="0"/>
+                                          </p:stCondLst>
+                                        </p:cTn>
+                                        <p:tgtEl>
+                                          <p:spTgt spid="3"/>
+                                        </p:tgtEl>
+                                        <p:attrNameLst>
+                                          <p:attrName>style.visibility</p:attrName>
+                                        </p:attrNameLst>
+                                      </p:cBhvr>
+                                      <p:to>
+                                        <p:strVal val="visible"/>
+                                      </p:to>
+                                    </p:set>
+                                    <p:animEffect transition="in" filter="fade">
+                                      <p:cBhvr>
+                                        <p:cTn id="25" dur="500"/>
+                                        <p:tgtEl>
+                                          <p:spTgt spid="3"/>
+                                        </p:tgtEl>
+                                      </p:cBhvr>
+                                    </p:animEffect>
                                   </p:childTnLst>
                                 </p:cTn>
                               </p:par>
@@ -9837,6 +10127,9 @@
         </p:cTn>
       </p:par>
     </p:tnLst>
+    <p:bldLst>
+      <p:bldP spid="3" grpId="0" animBg="1"/>
+    </p:bldLst>
   </p:timing>
 </p:sld>
 </file>
